--- a/2016_07_19_H2O_Open_Tour_NYC_Prod/Prod16x9.pptx
+++ b/2016_07_19_H2O_Open_Tour_NYC_Prod/Prod16x9.pptx
@@ -5,7 +5,7 @@
     <p:sldMasterId id="2147483660" r:id="rId1"/>
   </p:sldMasterIdLst>
   <p:notesMasterIdLst>
-    <p:notesMasterId r:id="rId46"/>
+    <p:notesMasterId r:id="rId45"/>
   </p:notesMasterIdLst>
   <p:sldIdLst>
     <p:sldId id="257" r:id="rId2"/>
@@ -44,14 +44,13 @@
     <p:sldId id="287" r:id="rId35"/>
     <p:sldId id="301" r:id="rId36"/>
     <p:sldId id="304" r:id="rId37"/>
-    <p:sldId id="303" r:id="rId38"/>
-    <p:sldId id="277" r:id="rId39"/>
-    <p:sldId id="265" r:id="rId40"/>
-    <p:sldId id="266" r:id="rId41"/>
-    <p:sldId id="267" r:id="rId42"/>
-    <p:sldId id="268" r:id="rId43"/>
-    <p:sldId id="269" r:id="rId44"/>
-    <p:sldId id="270" r:id="rId45"/>
+    <p:sldId id="277" r:id="rId38"/>
+    <p:sldId id="265" r:id="rId39"/>
+    <p:sldId id="266" r:id="rId40"/>
+    <p:sldId id="267" r:id="rId41"/>
+    <p:sldId id="268" r:id="rId42"/>
+    <p:sldId id="269" r:id="rId43"/>
+    <p:sldId id="270" r:id="rId44"/>
   </p:sldIdLst>
   <p:sldSz cx="9144000" cy="5143500" type="screen16x9"/>
   <p:notesSz cx="6858000" cy="9144000"/>
@@ -259,7 +258,7 @@
   </p:defaultTextStyle>
   <p:extLst>
     <p:ext uri="{EFAFB233-063F-42B5-8137-9DF3F51BA10A}">
-      <p15:sldGuideLst xmlns:p15="http://schemas.microsoft.com/office/powerpoint/2012/main" xmlns="">
+      <p15:sldGuideLst xmlns="" xmlns:p15="http://schemas.microsoft.com/office/powerpoint/2012/main">
         <p15:guide id="1" orient="horz">
           <p15:clr>
             <a:srgbClr val="A4A3A4"/>
@@ -1055,7 +1054,7 @@
           <a:p>
             <a:fld id="{792B1845-D904-C94D-9BA9-FEC36B05FE4E}" type="datetimeFigureOut">
               <a:rPr lang="en-US" smtClean="0"/>
-              <a:t>7/19/16</a:t>
+              <a:t>10/3/16</a:t>
             </a:fld>
             <a:endParaRPr lang="en-US"/>
           </a:p>
@@ -1325,7 +1324,7 @@
           <a:p>
             <a:fld id="{792B1845-D904-C94D-9BA9-FEC36B05FE4E}" type="datetimeFigureOut">
               <a:rPr lang="en-US" smtClean="0"/>
-              <a:t>7/19/16</a:t>
+              <a:t>10/3/16</a:t>
             </a:fld>
             <a:endParaRPr lang="en-US"/>
           </a:p>
@@ -1519,7 +1518,7 @@
           <a:p>
             <a:fld id="{792B1845-D904-C94D-9BA9-FEC36B05FE4E}" type="datetimeFigureOut">
               <a:rPr lang="en-US" smtClean="0"/>
-              <a:t>7/19/16</a:t>
+              <a:t>10/3/16</a:t>
             </a:fld>
             <a:endParaRPr lang="en-US"/>
           </a:p>
@@ -1723,7 +1722,7 @@
           <a:p>
             <a:fld id="{792B1845-D904-C94D-9BA9-FEC36B05FE4E}" type="datetimeFigureOut">
               <a:rPr lang="en-US" smtClean="0"/>
-              <a:t>7/19/16</a:t>
+              <a:t>10/3/16</a:t>
             </a:fld>
             <a:endParaRPr lang="en-US"/>
           </a:p>
@@ -1962,7 +1961,7 @@
           <a:p>
             <a:fld id="{792B1845-D904-C94D-9BA9-FEC36B05FE4E}" type="datetimeFigureOut">
               <a:rPr lang="en-US" smtClean="0"/>
-              <a:t>7/19/16</a:t>
+              <a:t>10/3/16</a:t>
             </a:fld>
             <a:endParaRPr lang="en-US"/>
           </a:p>
@@ -2206,7 +2205,7 @@
           <a:p>
             <a:fld id="{792B1845-D904-C94D-9BA9-FEC36B05FE4E}" type="datetimeFigureOut">
               <a:rPr lang="en-US" smtClean="0"/>
-              <a:t>7/19/16</a:t>
+              <a:t>10/3/16</a:t>
             </a:fld>
             <a:endParaRPr lang="en-US"/>
           </a:p>
@@ -2814,7 +2813,7 @@
           <a:p>
             <a:fld id="{792B1845-D904-C94D-9BA9-FEC36B05FE4E}" type="datetimeFigureOut">
               <a:rPr lang="en-US" smtClean="0"/>
-              <a:t>7/19/16</a:t>
+              <a:t>10/3/16</a:t>
             </a:fld>
             <a:endParaRPr lang="en-US"/>
           </a:p>
@@ -3171,7 +3170,7 @@
           <a:p>
             <a:fld id="{792B1845-D904-C94D-9BA9-FEC36B05FE4E}" type="datetimeFigureOut">
               <a:rPr lang="en-US" smtClean="0"/>
-              <a:t>7/19/16</a:t>
+              <a:t>10/3/16</a:t>
             </a:fld>
             <a:endParaRPr lang="en-US"/>
           </a:p>
@@ -3662,7 +3661,7 @@
           <a:p>
             <a:fld id="{792B1845-D904-C94D-9BA9-FEC36B05FE4E}" type="datetimeFigureOut">
               <a:rPr lang="en-US" smtClean="0"/>
-              <a:t>7/19/16</a:t>
+              <a:t>10/3/16</a:t>
             </a:fld>
             <a:endParaRPr lang="en-US"/>
           </a:p>
@@ -3849,7 +3848,7 @@
           <a:p>
             <a:fld id="{792B1845-D904-C94D-9BA9-FEC36B05FE4E}" type="datetimeFigureOut">
               <a:rPr lang="en-US" smtClean="0"/>
-              <a:t>7/19/16</a:t>
+              <a:t>10/3/16</a:t>
             </a:fld>
             <a:endParaRPr lang="en-US"/>
           </a:p>
@@ -3968,7 +3967,7 @@
           <a:p>
             <a:fld id="{792B1845-D904-C94D-9BA9-FEC36B05FE4E}" type="datetimeFigureOut">
               <a:rPr lang="en-US" smtClean="0"/>
-              <a:t>7/19/16</a:t>
+              <a:t>10/3/16</a:t>
             </a:fld>
             <a:endParaRPr lang="en-US"/>
           </a:p>
@@ -4269,7 +4268,7 @@
           <a:p>
             <a:fld id="{792B1845-D904-C94D-9BA9-FEC36B05FE4E}" type="datetimeFigureOut">
               <a:rPr lang="en-US" smtClean="0"/>
-              <a:t>7/19/16</a:t>
+              <a:t>10/3/16</a:t>
             </a:fld>
             <a:endParaRPr lang="en-US"/>
           </a:p>
@@ -8534,11 +8533,7 @@
           <a:p>
             <a:r>
               <a:rPr lang="en-US" dirty="0" smtClean="0"/>
-              <a:t>Spark </a:t>
-            </a:r>
-            <a:r>
-              <a:rPr lang="en-US" dirty="0" smtClean="0"/>
-              <a:t>stream</a:t>
+              <a:t>Spark stream</a:t>
             </a:r>
           </a:p>
           <a:p>
@@ -8546,7 +8541,6 @@
               <a:rPr lang="en-US" dirty="0" smtClean="0"/>
               <a:t>Apache Apex</a:t>
             </a:r>
-            <a:endParaRPr lang="en-US" dirty="0" smtClean="0"/>
           </a:p>
           <a:p>
             <a:r>
@@ -18335,13 +18329,7 @@
               <a:rPr lang="en-US" sz="1800" dirty="0" smtClean="0">
                 <a:latin typeface="+mn-lt"/>
               </a:rPr>
-              <a:t>Export </a:t>
-            </a:r>
-            <a:r>
-              <a:rPr lang="en-US" sz="1800" dirty="0" smtClean="0">
-                <a:latin typeface="+mn-lt"/>
-              </a:rPr>
-              <a:t>Database</a:t>
+              <a:t>Export Database</a:t>
             </a:r>
             <a:endParaRPr lang="en-US" sz="1800" dirty="0">
               <a:latin typeface="+mn-lt"/>
@@ -18658,51 +18646,139 @@
           <a:chExt cx="0" cy="0"/>
         </a:xfrm>
       </p:grpSpPr>
-      <p:pic>
-        <p:nvPicPr>
-          <p:cNvPr id="3" name="Picture 2" descr="Screen Shot 2016-07-19 at 8.50.21 AM.png"/>
-          <p:cNvPicPr>
-            <a:picLocks noChangeAspect="1"/>
-          </p:cNvPicPr>
-          <p:nvPr/>
-        </p:nvPicPr>
-        <p:blipFill>
-          <a:blip r:embed="rId2">
-            <a:extLst>
-              <a:ext uri="{28A0092B-C50C-407E-A947-70E740481C1C}">
-                <a14:useLocalDpi xmlns:a14="http://schemas.microsoft.com/office/drawing/2010/main" val="0"/>
-              </a:ext>
-            </a:extLst>
-          </a:blip>
-          <a:stretch>
-            <a:fillRect/>
-          </a:stretch>
-        </p:blipFill>
-        <p:spPr>
-          <a:xfrm>
-            <a:off x="1049453" y="0"/>
-            <a:ext cx="7018310" cy="5143500"/>
-          </a:xfrm>
-          <a:prstGeom prst="rect">
-            <a:avLst/>
-          </a:prstGeom>
-        </p:spPr>
-      </p:pic>
+      <p:sp>
+        <p:nvSpPr>
+          <p:cNvPr id="2" name="Title 1"/>
+          <p:cNvSpPr>
+            <a:spLocks noGrp="1"/>
+          </p:cNvSpPr>
+          <p:nvPr>
+            <p:ph type="title"/>
+          </p:nvPr>
+        </p:nvSpPr>
+        <p:spPr/>
+        <p:txBody>
+          <a:bodyPr/>
+          <a:lstStyle/>
+          <a:p>
+            <a:r>
+              <a:rPr lang="en-US" dirty="0" smtClean="0"/>
+              <a:t>Q &amp; A</a:t>
+            </a:r>
+            <a:endParaRPr lang="en-US" dirty="0"/>
+          </a:p>
+        </p:txBody>
+      </p:sp>
+      <p:sp>
+        <p:nvSpPr>
+          <p:cNvPr id="3" name="Content Placeholder 2"/>
+          <p:cNvSpPr>
+            <a:spLocks noGrp="1"/>
+          </p:cNvSpPr>
+          <p:nvPr>
+            <p:ph idx="1"/>
+          </p:nvPr>
+        </p:nvSpPr>
+        <p:spPr/>
+        <p:txBody>
+          <a:bodyPr>
+            <a:normAutofit fontScale="77500" lnSpcReduction="20000"/>
+          </a:bodyPr>
+          <a:lstStyle/>
+          <a:p>
+            <a:r>
+              <a:rPr lang="en-US" dirty="0" smtClean="0"/>
+              <a:t>Thanks for attending!</a:t>
+            </a:r>
+          </a:p>
+          <a:p>
+            <a:endParaRPr lang="en-US" dirty="0" smtClean="0"/>
+          </a:p>
+          <a:p>
+            <a:r>
+              <a:rPr lang="en-US" dirty="0" smtClean="0"/>
+              <a:t>Slides in </a:t>
+            </a:r>
+            <a:r>
+              <a:rPr lang="en-US" dirty="0" err="1" smtClean="0"/>
+              <a:t>github</a:t>
+            </a:r>
+            <a:r>
+              <a:rPr lang="en-US" dirty="0" smtClean="0"/>
+              <a:t>:  </a:t>
+            </a:r>
+          </a:p>
+          <a:p>
+            <a:pPr lvl="1"/>
+            <a:r>
+              <a:rPr lang="en-US" dirty="0" smtClean="0"/>
+              <a:t>h2oai/h2o-meetups/tree/master/2016_07_19_H2O_Open_Tour_NYC_Prod</a:t>
+            </a:r>
+          </a:p>
+          <a:p>
+            <a:pPr lvl="1"/>
+            <a:endParaRPr lang="en-US" dirty="0" smtClean="0"/>
+          </a:p>
+          <a:p>
+            <a:r>
+              <a:rPr lang="en-US" dirty="0" smtClean="0"/>
+              <a:t>Send follow up questions to:</a:t>
+            </a:r>
+          </a:p>
+          <a:p>
+            <a:endParaRPr lang="en-US" sz="800" dirty="0" smtClean="0"/>
+          </a:p>
+          <a:p>
+            <a:pPr marL="0" indent="0" algn="ctr">
+              <a:buNone/>
+            </a:pPr>
+            <a:r>
+              <a:rPr lang="en-US" dirty="0" smtClean="0"/>
+              <a:t>Tom Kraljevic</a:t>
+            </a:r>
+          </a:p>
+          <a:p>
+            <a:pPr marL="0" indent="0" algn="ctr">
+              <a:buNone/>
+            </a:pPr>
+            <a:r>
+              <a:rPr lang="en-US" dirty="0" smtClean="0"/>
+              <a:t>tomk@h2o.ai</a:t>
+            </a:r>
+          </a:p>
+          <a:p>
+            <a:pPr marL="0" indent="0" algn="ctr">
+              <a:buNone/>
+            </a:pPr>
+            <a:endParaRPr lang="en-US" dirty="0" smtClean="0"/>
+          </a:p>
+          <a:p>
+            <a:endParaRPr lang="en-US" dirty="0"/>
+          </a:p>
+        </p:txBody>
+      </p:sp>
     </p:spTree>
     <p:extLst>
       <p:ext uri="{BB962C8B-B14F-4D97-AF65-F5344CB8AC3E}">
-        <p14:creationId xmlns:p14="http://schemas.microsoft.com/office/powerpoint/2010/main" val="3269047771"/>
+        <p14:creationId xmlns:p14="http://schemas.microsoft.com/office/powerpoint/2010/main" val="2573046840"/>
       </p:ext>
     </p:extLst>
   </p:cSld>
   <p:clrMapOvr>
     <a:masterClrMapping/>
   </p:clrMapOvr>
+  <p:timing>
+    <p:tnLst>
+      <p:par>
+        <p:cTn xmlns:p14="http://schemas.microsoft.com/office/powerpoint/2010/main" id="1" dur="indefinite" restart="never" nodeType="tmRoot"/>
+      </p:par>
+    </p:tnLst>
+  </p:timing>
 </p:sld>
 </file>
 
 <file path=ppt/slides/slide38.xml><?xml version="1.0" encoding="utf-8"?>
-<p:sld xmlns:a="http://schemas.openxmlformats.org/drawingml/2006/main" xmlns:r="http://schemas.openxmlformats.org/officeDocument/2006/relationships" xmlns:p="http://schemas.openxmlformats.org/presentationml/2006/main">
+<p:sld xmlns:a="http://schemas.openxmlformats.org/drawingml/2006/main" xmlns:r="http://schemas.openxmlformats.org/officeDocument/2006/relationships" xmlns:p="http://schemas.openxmlformats.org/presentationml/2006/main" show="0">
   <p:cSld>
     <p:spTree>
       <p:nvGrpSpPr>
@@ -18725,106 +18801,25 @@
             <a:spLocks noGrp="1"/>
           </p:cNvSpPr>
           <p:nvPr>
-            <p:ph type="title"/>
+            <p:ph type="ctrTitle"/>
           </p:nvPr>
         </p:nvSpPr>
-        <p:spPr/>
-        <p:txBody>
-          <a:bodyPr/>
+        <p:spPr>
+          <a:xfrm>
+            <a:off x="685800" y="2251711"/>
+            <a:ext cx="7772400" cy="530390"/>
+          </a:xfrm>
+        </p:spPr>
+        <p:txBody>
+          <a:bodyPr>
+            <a:normAutofit fontScale="90000"/>
+          </a:bodyPr>
           <a:lstStyle/>
           <a:p>
             <a:r>
               <a:rPr lang="en-US" dirty="0" smtClean="0"/>
-              <a:t>Q &amp; A</a:t>
-            </a:r>
-            <a:endParaRPr lang="en-US" dirty="0"/>
-          </a:p>
-        </p:txBody>
-      </p:sp>
-      <p:sp>
-        <p:nvSpPr>
-          <p:cNvPr id="3" name="Content Placeholder 2"/>
-          <p:cNvSpPr>
-            <a:spLocks noGrp="1"/>
-          </p:cNvSpPr>
-          <p:nvPr>
-            <p:ph idx="1"/>
-          </p:nvPr>
-        </p:nvSpPr>
-        <p:spPr/>
-        <p:txBody>
-          <a:bodyPr>
-            <a:normAutofit fontScale="77500" lnSpcReduction="20000"/>
-          </a:bodyPr>
-          <a:lstStyle/>
-          <a:p>
-            <a:r>
-              <a:rPr lang="en-US" dirty="0" smtClean="0"/>
-              <a:t>Thanks for attending!</a:t>
-            </a:r>
-          </a:p>
-          <a:p>
-            <a:endParaRPr lang="en-US" dirty="0" smtClean="0"/>
-          </a:p>
-          <a:p>
-            <a:r>
-              <a:rPr lang="en-US" dirty="0" smtClean="0"/>
-              <a:t>Slides in </a:t>
-            </a:r>
-            <a:r>
-              <a:rPr lang="en-US" dirty="0" err="1" smtClean="0"/>
-              <a:t>github</a:t>
-            </a:r>
-            <a:r>
-              <a:rPr lang="en-US" dirty="0" smtClean="0"/>
-              <a:t>:  </a:t>
-            </a:r>
-          </a:p>
-          <a:p>
-            <a:pPr lvl="1"/>
-            <a:r>
-              <a:rPr lang="en-US" dirty="0" smtClean="0"/>
-              <a:t>h2oai/h2o-meetups/tree/master/2016_07_19_H2O_Open_Tour_NYC_Prod</a:t>
-            </a:r>
-          </a:p>
-          <a:p>
-            <a:pPr lvl="1"/>
-            <a:endParaRPr lang="en-US" dirty="0" smtClean="0"/>
-          </a:p>
-          <a:p>
-            <a:r>
-              <a:rPr lang="en-US" dirty="0" smtClean="0"/>
-              <a:t>Send follow up questions to:</a:t>
-            </a:r>
-          </a:p>
-          <a:p>
-            <a:endParaRPr lang="en-US" sz="800" dirty="0" smtClean="0"/>
-          </a:p>
-          <a:p>
-            <a:pPr marL="0" indent="0" algn="ctr">
-              <a:buNone/>
-            </a:pPr>
-            <a:r>
-              <a:rPr lang="en-US" dirty="0" smtClean="0"/>
-              <a:t>Tom Kraljevic</a:t>
-            </a:r>
-          </a:p>
-          <a:p>
-            <a:pPr marL="0" indent="0" algn="ctr">
-              <a:buNone/>
-            </a:pPr>
-            <a:r>
-              <a:rPr lang="en-US" dirty="0" smtClean="0"/>
-              <a:t>tomk@h2o.ai</a:t>
-            </a:r>
-          </a:p>
-          <a:p>
-            <a:pPr marL="0" indent="0" algn="ctr">
-              <a:buNone/>
-            </a:pPr>
-            <a:endParaRPr lang="en-US" dirty="0" smtClean="0"/>
-          </a:p>
-          <a:p>
+              <a:t>FEATURE ENGINEERING</a:t>
+            </a:r>
             <a:endParaRPr lang="en-US" dirty="0"/>
           </a:p>
         </p:txBody>
@@ -18832,13 +18827,21 @@
     </p:spTree>
     <p:extLst>
       <p:ext uri="{BB962C8B-B14F-4D97-AF65-F5344CB8AC3E}">
-        <p14:creationId xmlns:p14="http://schemas.microsoft.com/office/powerpoint/2010/main" val="2573046840"/>
+        <p14:creationId xmlns:p14="http://schemas.microsoft.com/office/powerpoint/2010/main" val="2647637928"/>
       </p:ext>
     </p:extLst>
   </p:cSld>
   <p:clrMapOvr>
     <a:masterClrMapping/>
   </p:clrMapOvr>
+  <mc:AlternateContent xmlns:mc="http://schemas.openxmlformats.org/markup-compatibility/2006">
+    <mc:Choice xmlns:p14="http://schemas.microsoft.com/office/powerpoint/2010/main" Requires="p14">
+      <p:transition spd="slow" p14:dur="2000"/>
+    </mc:Choice>
+    <mc:Fallback>
+      <p:transition xmlns:p14="http://schemas.microsoft.com/office/powerpoint/2010/main" spd="slow"/>
+    </mc:Fallback>
+  </mc:AlternateContent>
   <p:timing>
     <p:tnLst>
       <p:par>
@@ -18873,19 +18876,12 @@
             <a:spLocks noGrp="1"/>
           </p:cNvSpPr>
           <p:nvPr>
-            <p:ph type="ctrTitle"/>
+            <p:ph type="title"/>
           </p:nvPr>
         </p:nvSpPr>
-        <p:spPr>
-          <a:xfrm>
-            <a:off x="685800" y="2251711"/>
-            <a:ext cx="7772400" cy="530390"/>
-          </a:xfrm>
-        </p:spPr>
-        <p:txBody>
-          <a:bodyPr>
-            <a:normAutofit fontScale="90000"/>
-          </a:bodyPr>
+        <p:spPr/>
+        <p:txBody>
+          <a:bodyPr/>
           <a:lstStyle/>
           <a:p>
             <a:r>
@@ -18893,13 +18889,41 @@
               <a:t>FEATURE ENGINEERING</a:t>
             </a:r>
             <a:endParaRPr lang="en-US" dirty="0"/>
+          </a:p>
+        </p:txBody>
+      </p:sp>
+      <p:sp>
+        <p:nvSpPr>
+          <p:cNvPr id="3" name="Content Placeholder 2"/>
+          <p:cNvSpPr>
+            <a:spLocks noGrp="1"/>
+          </p:cNvSpPr>
+          <p:nvPr>
+            <p:ph idx="1"/>
+          </p:nvPr>
+        </p:nvSpPr>
+        <p:spPr/>
+        <p:txBody>
+          <a:bodyPr/>
+          <a:lstStyle/>
+          <a:p>
+            <a:r>
+              <a:rPr lang="en-US" dirty="0"/>
+              <a:t>For a model in production to make predictions, it needs access to the same features that were trained on</a:t>
+            </a:r>
+          </a:p>
+          <a:p>
+            <a:r>
+              <a:rPr lang="en-US" dirty="0" smtClean="0"/>
+              <a:t>Often there is a need to build the same features in both training and production environments</a:t>
+            </a:r>
           </a:p>
         </p:txBody>
       </p:sp>
     </p:spTree>
     <p:extLst>
       <p:ext uri="{BB962C8B-B14F-4D97-AF65-F5344CB8AC3E}">
-        <p14:creationId xmlns:p14="http://schemas.microsoft.com/office/powerpoint/2010/main" val="2647637928"/>
+        <p14:creationId xmlns:p14="http://schemas.microsoft.com/office/powerpoint/2010/main" val="3202273333"/>
       </p:ext>
     </p:extLst>
   </p:cSld>
@@ -18914,13 +18938,6 @@
       <p:transition xmlns:p14="http://schemas.microsoft.com/office/powerpoint/2010/main" spd="slow"/>
     </mc:Fallback>
   </mc:AlternateContent>
-  <p:timing>
-    <p:tnLst>
-      <p:par>
-        <p:cTn xmlns:p14="http://schemas.microsoft.com/office/powerpoint/2010/main" id="1" dur="indefinite" restart="never" nodeType="tmRoot"/>
-      </p:par>
-    </p:tnLst>
-  </p:timing>
 </p:sld>
 </file>
 
@@ -19075,7 +19092,7 @@
           <a:p>
             <a:r>
               <a:rPr lang="en-US" dirty="0" smtClean="0"/>
-              <a:t>FEATURE ENGINEERING</a:t>
+              <a:t>FEATURE ENGINEERING DIMENSIONS</a:t>
             </a:r>
             <a:endParaRPr lang="en-US" dirty="0"/>
           </a:p>
@@ -19093,26 +19110,53 @@
         </p:nvSpPr>
         <p:spPr/>
         <p:txBody>
-          <a:bodyPr/>
-          <a:lstStyle/>
-          <a:p>
-            <a:r>
-              <a:rPr lang="en-US" dirty="0"/>
-              <a:t>For a model in production to make predictions, it needs access to the same features that were trained on</a:t>
-            </a:r>
-          </a:p>
+          <a:bodyPr>
+            <a:normAutofit lnSpcReduction="10000"/>
+          </a:bodyPr>
+          <a:lstStyle/>
           <a:p>
             <a:r>
               <a:rPr lang="en-US" dirty="0" smtClean="0"/>
-              <a:t>Often there is a need to build the same features in both training and production environments</a:t>
-            </a:r>
+              <a:t>Language:  R / Python / Java / Scala</a:t>
+            </a:r>
+          </a:p>
+          <a:p>
+            <a:r>
+              <a:rPr lang="en-US" dirty="0" smtClean="0"/>
+              <a:t>Code re-use for train and prod:  Yes / No</a:t>
+            </a:r>
+          </a:p>
+          <a:p>
+            <a:r>
+              <a:rPr lang="en-US" dirty="0" smtClean="0"/>
+              <a:t>Prod is batch / interactive</a:t>
+            </a:r>
+          </a:p>
+          <a:p>
+            <a:r>
+              <a:rPr lang="en-US" dirty="0" smtClean="0"/>
+              <a:t>Latency SLA</a:t>
+            </a:r>
+          </a:p>
+          <a:p>
+            <a:r>
+              <a:rPr lang="en-US" dirty="0" smtClean="0"/>
+              <a:t>Throughput SLA</a:t>
+            </a:r>
+          </a:p>
+          <a:p>
+            <a:r>
+              <a:rPr lang="en-US" dirty="0" smtClean="0"/>
+              <a:t>Live lookups:  Yes / No</a:t>
+            </a:r>
+            <a:endParaRPr lang="en-US" dirty="0"/>
           </a:p>
         </p:txBody>
       </p:sp>
     </p:spTree>
     <p:extLst>
       <p:ext uri="{BB962C8B-B14F-4D97-AF65-F5344CB8AC3E}">
-        <p14:creationId xmlns:p14="http://schemas.microsoft.com/office/powerpoint/2010/main" val="3202273333"/>
+        <p14:creationId xmlns:p14="http://schemas.microsoft.com/office/powerpoint/2010/main" val="2874923289"/>
       </p:ext>
     </p:extLst>
   </p:cSld>
@@ -19164,7 +19208,7 @@
           <a:p>
             <a:r>
               <a:rPr lang="en-US" dirty="0" smtClean="0"/>
-              <a:t>FEATURE ENGINEERING DIMENSIONS</a:t>
+              <a:t>FEATURE ENGINEERING RECIPIES</a:t>
             </a:r>
             <a:endParaRPr lang="en-US" dirty="0"/>
           </a:p>
@@ -19183,52 +19227,64 @@
         <p:spPr/>
         <p:txBody>
           <a:bodyPr>
-            <a:normAutofit lnSpcReduction="10000"/>
+            <a:normAutofit fontScale="92500" lnSpcReduction="20000"/>
           </a:bodyPr>
           <a:lstStyle/>
           <a:p>
             <a:r>
               <a:rPr lang="en-US" dirty="0" smtClean="0"/>
-              <a:t>Language:  R / Python / Java / Scala</a:t>
+              <a:t>Think like a pipeline</a:t>
             </a:r>
           </a:p>
           <a:p>
             <a:r>
               <a:rPr lang="en-US" dirty="0" smtClean="0"/>
-              <a:t>Code re-use for train and prod:  Yes / No</a:t>
-            </a:r>
-          </a:p>
-          <a:p>
+              <a:t>Function call to transform a row</a:t>
+            </a:r>
+          </a:p>
+          <a:p>
+            <a:pPr lvl="1"/>
             <a:r>
               <a:rPr lang="en-US" dirty="0" smtClean="0"/>
-              <a:t>Prod is batch / interactive</a:t>
+              <a:t>Column Name/Value map in -&gt; map out</a:t>
             </a:r>
           </a:p>
           <a:p>
             <a:r>
               <a:rPr lang="en-US" dirty="0" smtClean="0"/>
-              <a:t>Latency SLA</a:t>
-            </a:r>
+              <a:t>Transformation </a:t>
+            </a:r>
+            <a:r>
+              <a:rPr lang="en-US" dirty="0" err="1" smtClean="0"/>
+              <a:t>microservice</a:t>
+            </a:r>
+            <a:endParaRPr lang="en-US" dirty="0" smtClean="0"/>
           </a:p>
           <a:p>
             <a:r>
               <a:rPr lang="en-US" dirty="0" smtClean="0"/>
-              <a:t>Throughput SLA</a:t>
-            </a:r>
+              <a:t>Storm feature engineering bolt</a:t>
+            </a:r>
+          </a:p>
+          <a:p>
+            <a:r>
+              <a:rPr lang="en-US" dirty="0" err="1"/>
+              <a:t>Jython</a:t>
+            </a:r>
+            <a:endParaRPr lang="en-US" dirty="0"/>
           </a:p>
           <a:p>
             <a:r>
               <a:rPr lang="en-US" dirty="0" smtClean="0"/>
-              <a:t>Live lookups:  Yes / No</a:t>
-            </a:r>
-            <a:endParaRPr lang="en-US" dirty="0"/>
+              <a:t>Live Python interpreter</a:t>
+            </a:r>
           </a:p>
         </p:txBody>
       </p:sp>
     </p:spTree>
     <p:extLst>
       <p:ext uri="{BB962C8B-B14F-4D97-AF65-F5344CB8AC3E}">
-        <p14:creationId xmlns:p14="http://schemas.microsoft.com/office/powerpoint/2010/main" val="2874923289"/>
+        <p14:creationId xmlns:p14="http://schemas.microsoft.com/office/powerpoint/2010/main" val="623756938"/>
       </p:ext>
     </p:extLst>
   </p:cSld>
@@ -19280,134 +19336,6 @@
           <a:p>
             <a:r>
               <a:rPr lang="en-US" dirty="0" smtClean="0"/>
-              <a:t>FEATURE ENGINEERING RECIPIES</a:t>
-            </a:r>
-            <a:endParaRPr lang="en-US" dirty="0"/>
-          </a:p>
-        </p:txBody>
-      </p:sp>
-      <p:sp>
-        <p:nvSpPr>
-          <p:cNvPr id="3" name="Content Placeholder 2"/>
-          <p:cNvSpPr>
-            <a:spLocks noGrp="1"/>
-          </p:cNvSpPr>
-          <p:nvPr>
-            <p:ph idx="1"/>
-          </p:nvPr>
-        </p:nvSpPr>
-        <p:spPr/>
-        <p:txBody>
-          <a:bodyPr>
-            <a:normAutofit fontScale="92500" lnSpcReduction="20000"/>
-          </a:bodyPr>
-          <a:lstStyle/>
-          <a:p>
-            <a:r>
-              <a:rPr lang="en-US" dirty="0" smtClean="0"/>
-              <a:t>Think like a pipeline</a:t>
-            </a:r>
-          </a:p>
-          <a:p>
-            <a:r>
-              <a:rPr lang="en-US" dirty="0" smtClean="0"/>
-              <a:t>Function call to transform a row</a:t>
-            </a:r>
-          </a:p>
-          <a:p>
-            <a:pPr lvl="1"/>
-            <a:r>
-              <a:rPr lang="en-US" dirty="0" smtClean="0"/>
-              <a:t>Column Name/Value map in -&gt; map out</a:t>
-            </a:r>
-          </a:p>
-          <a:p>
-            <a:r>
-              <a:rPr lang="en-US" dirty="0" smtClean="0"/>
-              <a:t>Transformation </a:t>
-            </a:r>
-            <a:r>
-              <a:rPr lang="en-US" dirty="0" err="1" smtClean="0"/>
-              <a:t>microservice</a:t>
-            </a:r>
-            <a:endParaRPr lang="en-US" dirty="0" smtClean="0"/>
-          </a:p>
-          <a:p>
-            <a:r>
-              <a:rPr lang="en-US" dirty="0" smtClean="0"/>
-              <a:t>Storm feature engineering bolt</a:t>
-            </a:r>
-          </a:p>
-          <a:p>
-            <a:r>
-              <a:rPr lang="en-US" dirty="0" err="1"/>
-              <a:t>Jython</a:t>
-            </a:r>
-            <a:endParaRPr lang="en-US" dirty="0"/>
-          </a:p>
-          <a:p>
-            <a:r>
-              <a:rPr lang="en-US" dirty="0" smtClean="0"/>
-              <a:t>Live Python interpreter</a:t>
-            </a:r>
-          </a:p>
-        </p:txBody>
-      </p:sp>
-    </p:spTree>
-    <p:extLst>
-      <p:ext uri="{BB962C8B-B14F-4D97-AF65-F5344CB8AC3E}">
-        <p14:creationId xmlns:p14="http://schemas.microsoft.com/office/powerpoint/2010/main" val="623756938"/>
-      </p:ext>
-    </p:extLst>
-  </p:cSld>
-  <p:clrMapOvr>
-    <a:masterClrMapping/>
-  </p:clrMapOvr>
-  <mc:AlternateContent xmlns:mc="http://schemas.openxmlformats.org/markup-compatibility/2006">
-    <mc:Choice xmlns:p14="http://schemas.microsoft.com/office/powerpoint/2010/main" Requires="p14">
-      <p:transition spd="slow" p14:dur="2000"/>
-    </mc:Choice>
-    <mc:Fallback>
-      <p:transition xmlns:p14="http://schemas.microsoft.com/office/powerpoint/2010/main" spd="slow"/>
-    </mc:Fallback>
-  </mc:AlternateContent>
-</p:sld>
-</file>
-
-<file path=ppt/slides/slide43.xml><?xml version="1.0" encoding="utf-8"?>
-<p:sld xmlns:a="http://schemas.openxmlformats.org/drawingml/2006/main" xmlns:r="http://schemas.openxmlformats.org/officeDocument/2006/relationships" xmlns:p="http://schemas.openxmlformats.org/presentationml/2006/main" show="0">
-  <p:cSld>
-    <p:spTree>
-      <p:nvGrpSpPr>
-        <p:cNvPr id="1" name=""/>
-        <p:cNvGrpSpPr/>
-        <p:nvPr/>
-      </p:nvGrpSpPr>
-      <p:grpSpPr>
-        <a:xfrm>
-          <a:off x="0" y="0"/>
-          <a:ext cx="0" cy="0"/>
-          <a:chOff x="0" y="0"/>
-          <a:chExt cx="0" cy="0"/>
-        </a:xfrm>
-      </p:grpSpPr>
-      <p:sp>
-        <p:nvSpPr>
-          <p:cNvPr id="2" name="Title 1"/>
-          <p:cNvSpPr>
-            <a:spLocks noGrp="1"/>
-          </p:cNvSpPr>
-          <p:nvPr>
-            <p:ph type="title"/>
-          </p:nvPr>
-        </p:nvSpPr>
-        <p:spPr/>
-        <p:txBody>
-          <a:bodyPr/>
-          <a:lstStyle/>
-          <a:p>
-            <a:r>
-              <a:rPr lang="en-US" dirty="0" smtClean="0"/>
               <a:t>FEATURE ENGINEERING STEPS</a:t>
             </a:r>
             <a:endParaRPr lang="en-US" dirty="0"/>
@@ -19482,7 +19410,7 @@
 </p:sld>
 </file>
 
-<file path=ppt/slides/slide44.xml><?xml version="1.0" encoding="utf-8"?>
+<file path=ppt/slides/slide43.xml><?xml version="1.0" encoding="utf-8"?>
 <p:sld xmlns:a="http://schemas.openxmlformats.org/drawingml/2006/main" xmlns:r="http://schemas.openxmlformats.org/officeDocument/2006/relationships" xmlns:p="http://schemas.openxmlformats.org/presentationml/2006/main" show="0">
   <p:cSld>
     <p:spTree>

--- a/2016_07_19_H2O_Open_Tour_NYC_Prod/Prod16x9.pptx
+++ b/2016_07_19_H2O_Open_Tour_NYC_Prod/Prod16x9.pptx
@@ -5,7 +5,7 @@
     <p:sldMasterId id="2147483660" r:id="rId1"/>
   </p:sldMasterIdLst>
   <p:notesMasterIdLst>
-    <p:notesMasterId r:id="rId45"/>
+    <p:notesMasterId r:id="rId43"/>
   </p:notesMasterIdLst>
   <p:sldIdLst>
     <p:sldId id="257" r:id="rId2"/>
@@ -42,15 +42,13 @@
     <p:sldId id="285" r:id="rId33"/>
     <p:sldId id="286" r:id="rId34"/>
     <p:sldId id="287" r:id="rId35"/>
-    <p:sldId id="301" r:id="rId36"/>
-    <p:sldId id="304" r:id="rId37"/>
-    <p:sldId id="277" r:id="rId38"/>
-    <p:sldId id="265" r:id="rId39"/>
-    <p:sldId id="266" r:id="rId40"/>
-    <p:sldId id="267" r:id="rId41"/>
-    <p:sldId id="268" r:id="rId42"/>
-    <p:sldId id="269" r:id="rId43"/>
-    <p:sldId id="270" r:id="rId44"/>
+    <p:sldId id="277" r:id="rId36"/>
+    <p:sldId id="265" r:id="rId37"/>
+    <p:sldId id="266" r:id="rId38"/>
+    <p:sldId id="267" r:id="rId39"/>
+    <p:sldId id="268" r:id="rId40"/>
+    <p:sldId id="269" r:id="rId41"/>
+    <p:sldId id="270" r:id="rId42"/>
   </p:sldIdLst>
   <p:sldSz cx="9144000" cy="5143500" type="screen16x9"/>
   <p:notesSz cx="6858000" cy="9144000"/>
@@ -258,7 +256,7 @@
   </p:defaultTextStyle>
   <p:extLst>
     <p:ext uri="{EFAFB233-063F-42B5-8137-9DF3F51BA10A}">
-      <p15:sldGuideLst xmlns="" xmlns:p15="http://schemas.microsoft.com/office/powerpoint/2012/main">
+      <p15:sldGuideLst xmlns:p15="http://schemas.microsoft.com/office/powerpoint/2012/main" xmlns="">
         <p15:guide id="1" orient="horz">
           <p15:clr>
             <a:srgbClr val="A4A3A4"/>
@@ -8982,7 +8980,7 @@
         <p:spPr/>
         <p:txBody>
           <a:bodyPr>
-            <a:normAutofit fontScale="77500" lnSpcReduction="20000"/>
+            <a:normAutofit fontScale="85000" lnSpcReduction="20000"/>
           </a:bodyPr>
           <a:lstStyle/>
           <a:p>
@@ -9042,31 +9040,12 @@
           </a:p>
           <a:p>
             <a:r>
-              <a:rPr lang="en-US" dirty="0" err="1"/>
-              <a:t>Journals.ai</a:t>
+              <a:rPr lang="en-US" smtClean="0"/>
+              <a:t>Storm </a:t>
             </a:r>
             <a:r>
               <a:rPr lang="en-US" dirty="0"/>
-              <a:t> desktop app </a:t>
-            </a:r>
-            <a:r>
-              <a:rPr lang="en-US" dirty="0" smtClean="0"/>
-              <a:t>(</a:t>
-            </a:r>
-            <a:r>
-              <a:rPr lang="en-US" dirty="0" err="1" smtClean="0"/>
-              <a:t>SQlite</a:t>
-            </a:r>
-            <a:r>
-              <a:rPr lang="en-US" dirty="0" smtClean="0"/>
-              <a:t> DB)</a:t>
-            </a:r>
-            <a:endParaRPr lang="en-US" dirty="0"/>
-          </a:p>
-          <a:p>
-            <a:r>
-              <a:rPr lang="en-US" dirty="0"/>
-              <a:t>Storm bolt</a:t>
+              <a:t>bolt</a:t>
             </a:r>
           </a:p>
           <a:p>
@@ -17626,1043 +17605,6 @@
           <a:p>
             <a:r>
               <a:rPr lang="en-US" dirty="0" smtClean="0"/>
-              <a:t>JOURNALS.AI DESIGN PATTERN</a:t>
-            </a:r>
-            <a:endParaRPr lang="en-US" dirty="0"/>
-          </a:p>
-        </p:txBody>
-      </p:sp>
-      <p:sp>
-        <p:nvSpPr>
-          <p:cNvPr id="3" name="Content Placeholder 2"/>
-          <p:cNvSpPr>
-            <a:spLocks noGrp="1"/>
-          </p:cNvSpPr>
-          <p:nvPr>
-            <p:ph idx="1"/>
-          </p:nvPr>
-        </p:nvSpPr>
-        <p:spPr/>
-        <p:txBody>
-          <a:bodyPr>
-            <a:normAutofit fontScale="92500" lnSpcReduction="10000"/>
-          </a:bodyPr>
-          <a:lstStyle/>
-          <a:p>
-            <a:r>
-              <a:rPr lang="en-US" dirty="0" smtClean="0"/>
-              <a:t>Driven by R</a:t>
-            </a:r>
-          </a:p>
-          <a:p>
-            <a:r>
-              <a:rPr lang="en-US" dirty="0" smtClean="0"/>
-              <a:t>Training &amp; scoring on bare metal servers</a:t>
-            </a:r>
-          </a:p>
-          <a:p>
-            <a:r>
-              <a:rPr lang="en-US" dirty="0" smtClean="0"/>
-              <a:t>Scores pre-calculated and stored in a database (e.g. MS SQL, SQLite)</a:t>
-            </a:r>
-          </a:p>
-          <a:p>
-            <a:r>
-              <a:rPr lang="en-US" dirty="0" smtClean="0"/>
-              <a:t>Application with domain-specific UI built on top of the database</a:t>
-            </a:r>
-          </a:p>
-          <a:p>
-            <a:r>
-              <a:rPr lang="en-US" dirty="0" smtClean="0"/>
-              <a:t>Flexible deployment (laptop, server, cloud, etc.)</a:t>
-            </a:r>
-          </a:p>
-        </p:txBody>
-      </p:sp>
-    </p:spTree>
-    <p:extLst>
-      <p:ext uri="{BB962C8B-B14F-4D97-AF65-F5344CB8AC3E}">
-        <p14:creationId xmlns:p14="http://schemas.microsoft.com/office/powerpoint/2010/main" val="3171174582"/>
-      </p:ext>
-    </p:extLst>
-  </p:cSld>
-  <p:clrMapOvr>
-    <a:masterClrMapping/>
-  </p:clrMapOvr>
-</p:sld>
-</file>
-
-<file path=ppt/slides/slide36.xml><?xml version="1.0" encoding="utf-8"?>
-<p:sld xmlns:a="http://schemas.openxmlformats.org/drawingml/2006/main" xmlns:r="http://schemas.openxmlformats.org/officeDocument/2006/relationships" xmlns:p="http://schemas.openxmlformats.org/presentationml/2006/main">
-  <p:cSld>
-    <p:spTree>
-      <p:nvGrpSpPr>
-        <p:cNvPr id="1" name=""/>
-        <p:cNvGrpSpPr/>
-        <p:nvPr/>
-      </p:nvGrpSpPr>
-      <p:grpSpPr>
-        <a:xfrm>
-          <a:off x="0" y="0"/>
-          <a:ext cx="0" cy="0"/>
-          <a:chOff x="0" y="0"/>
-          <a:chExt cx="0" cy="0"/>
-        </a:xfrm>
-      </p:grpSpPr>
-      <p:sp>
-        <p:nvSpPr>
-          <p:cNvPr id="2" name="Title 1"/>
-          <p:cNvSpPr>
-            <a:spLocks noGrp="1"/>
-          </p:cNvSpPr>
-          <p:nvPr>
-            <p:ph type="title"/>
-          </p:nvPr>
-        </p:nvSpPr>
-        <p:spPr/>
-        <p:txBody>
-          <a:bodyPr>
-            <a:normAutofit/>
-          </a:bodyPr>
-          <a:lstStyle/>
-          <a:p>
-            <a:r>
-              <a:rPr lang="en-US" dirty="0" smtClean="0"/>
-              <a:t>JOURNALS.AI PRODUCTIONIZED</a:t>
-            </a:r>
-            <a:endParaRPr lang="en-US" dirty="0"/>
-          </a:p>
-        </p:txBody>
-      </p:sp>
-      <p:sp>
-        <p:nvSpPr>
-          <p:cNvPr id="3" name="TextBox 2"/>
-          <p:cNvSpPr txBox="1"/>
-          <p:nvPr/>
-        </p:nvSpPr>
-        <p:spPr>
-          <a:xfrm>
-            <a:off x="320361" y="635174"/>
-            <a:ext cx="1536999" cy="584776"/>
-          </a:xfrm>
-          <a:prstGeom prst="rect">
-            <a:avLst/>
-          </a:prstGeom>
-          <a:noFill/>
-        </p:spPr>
-        <p:txBody>
-          <a:bodyPr wrap="none" rtlCol="0">
-            <a:spAutoFit/>
-          </a:bodyPr>
-          <a:lstStyle/>
-          <a:p>
-            <a:r>
-              <a:rPr lang="en-US" sz="3200" dirty="0" smtClean="0">
-                <a:latin typeface="+mn-lt"/>
-              </a:rPr>
-              <a:t>Training</a:t>
-            </a:r>
-            <a:endParaRPr lang="en-US" sz="3200" dirty="0">
-              <a:latin typeface="+mn-lt"/>
-            </a:endParaRPr>
-          </a:p>
-        </p:txBody>
-      </p:sp>
-      <p:sp>
-        <p:nvSpPr>
-          <p:cNvPr id="10" name="Rectangle 9"/>
-          <p:cNvSpPr/>
-          <p:nvPr/>
-        </p:nvSpPr>
-        <p:spPr>
-          <a:xfrm>
-            <a:off x="448200" y="2194863"/>
-            <a:ext cx="3492599" cy="442141"/>
-          </a:xfrm>
-          <a:prstGeom prst="rect">
-            <a:avLst/>
-          </a:prstGeom>
-          <a:gradFill flip="none" rotWithShape="1">
-            <a:gsLst>
-              <a:gs pos="0">
-                <a:schemeClr val="accent2">
-                  <a:lumMod val="5000"/>
-                  <a:lumOff val="95000"/>
-                </a:schemeClr>
-              </a:gs>
-              <a:gs pos="74000">
-                <a:schemeClr val="accent2">
-                  <a:lumMod val="45000"/>
-                  <a:lumOff val="55000"/>
-                </a:schemeClr>
-              </a:gs>
-              <a:gs pos="83000">
-                <a:schemeClr val="accent2">
-                  <a:lumMod val="45000"/>
-                  <a:lumOff val="55000"/>
-                </a:schemeClr>
-              </a:gs>
-              <a:gs pos="100000">
-                <a:schemeClr val="accent2">
-                  <a:lumMod val="30000"/>
-                  <a:lumOff val="70000"/>
-                </a:schemeClr>
-              </a:gs>
-            </a:gsLst>
-            <a:lin ang="5400000" scaled="1"/>
-            <a:tileRect/>
-          </a:gradFill>
-        </p:spPr>
-        <p:style>
-          <a:lnRef idx="1">
-            <a:schemeClr val="accent1"/>
-          </a:lnRef>
-          <a:fillRef idx="3">
-            <a:schemeClr val="accent1"/>
-          </a:fillRef>
-          <a:effectRef idx="2">
-            <a:schemeClr val="accent1"/>
-          </a:effectRef>
-          <a:fontRef idx="minor">
-            <a:schemeClr val="lt1"/>
-          </a:fontRef>
-        </p:style>
-        <p:txBody>
-          <a:bodyPr rtlCol="0" anchor="ctr"/>
-          <a:lstStyle/>
-          <a:p>
-            <a:pPr algn="ctr"/>
-            <a:r>
-              <a:rPr lang="en-US" sz="2000" dirty="0" smtClean="0">
-                <a:solidFill>
-                  <a:schemeClr val="tx1"/>
-                </a:solidFill>
-              </a:rPr>
-              <a:t>Feature Engineering</a:t>
-            </a:r>
-            <a:endParaRPr lang="en-US" sz="2000" dirty="0">
-              <a:solidFill>
-                <a:schemeClr val="tx1"/>
-              </a:solidFill>
-            </a:endParaRPr>
-          </a:p>
-        </p:txBody>
-      </p:sp>
-      <p:sp>
-        <p:nvSpPr>
-          <p:cNvPr id="12" name="Document 11"/>
-          <p:cNvSpPr/>
-          <p:nvPr/>
-        </p:nvSpPr>
-        <p:spPr>
-          <a:xfrm>
-            <a:off x="1743650" y="1388464"/>
-            <a:ext cx="901700" cy="531477"/>
-          </a:xfrm>
-          <a:prstGeom prst="flowChartDocument">
-            <a:avLst/>
-          </a:prstGeom>
-          <a:solidFill>
-            <a:srgbClr val="CCFFCC"/>
-          </a:solidFill>
-        </p:spPr>
-        <p:style>
-          <a:lnRef idx="1">
-            <a:schemeClr val="accent1"/>
-          </a:lnRef>
-          <a:fillRef idx="3">
-            <a:schemeClr val="accent1"/>
-          </a:fillRef>
-          <a:effectRef idx="2">
-            <a:schemeClr val="accent1"/>
-          </a:effectRef>
-          <a:fontRef idx="minor">
-            <a:schemeClr val="lt1"/>
-          </a:fontRef>
-        </p:style>
-        <p:txBody>
-          <a:bodyPr rtlCol="0" anchor="ctr"/>
-          <a:lstStyle/>
-          <a:p>
-            <a:pPr algn="ctr"/>
-            <a:r>
-              <a:rPr lang="en-US" sz="2000" dirty="0" smtClean="0">
-                <a:solidFill>
-                  <a:schemeClr val="tx1"/>
-                </a:solidFill>
-                <a:effectLst/>
-              </a:rPr>
-              <a:t>Data</a:t>
-            </a:r>
-            <a:endParaRPr lang="en-US" sz="2000" dirty="0">
-              <a:solidFill>
-                <a:schemeClr val="tx1"/>
-              </a:solidFill>
-              <a:effectLst/>
-            </a:endParaRPr>
-          </a:p>
-        </p:txBody>
-      </p:sp>
-      <p:sp>
-        <p:nvSpPr>
-          <p:cNvPr id="23" name="TextBox 22"/>
-          <p:cNvSpPr txBox="1"/>
-          <p:nvPr/>
-        </p:nvSpPr>
-        <p:spPr>
-          <a:xfrm>
-            <a:off x="5007154" y="654049"/>
-            <a:ext cx="2999740" cy="584776"/>
-          </a:xfrm>
-          <a:prstGeom prst="rect">
-            <a:avLst/>
-          </a:prstGeom>
-          <a:noFill/>
-        </p:spPr>
-        <p:txBody>
-          <a:bodyPr wrap="none" rtlCol="0">
-            <a:spAutoFit/>
-          </a:bodyPr>
-          <a:lstStyle/>
-          <a:p>
-            <a:r>
-              <a:rPr lang="en-US" sz="3200" dirty="0" smtClean="0">
-                <a:latin typeface="+mn-lt"/>
-              </a:rPr>
-              <a:t>App Deployment</a:t>
-            </a:r>
-            <a:endParaRPr lang="en-US" sz="3200" dirty="0">
-              <a:latin typeface="+mn-lt"/>
-            </a:endParaRPr>
-          </a:p>
-        </p:txBody>
-      </p:sp>
-      <p:sp>
-        <p:nvSpPr>
-          <p:cNvPr id="24" name="Rectangle 23"/>
-          <p:cNvSpPr/>
-          <p:nvPr/>
-        </p:nvSpPr>
-        <p:spPr>
-          <a:xfrm>
-            <a:off x="457200" y="2981411"/>
-            <a:ext cx="3478231" cy="441272"/>
-          </a:xfrm>
-          <a:prstGeom prst="rect">
-            <a:avLst/>
-          </a:prstGeom>
-          <a:gradFill flip="none" rotWithShape="1">
-            <a:gsLst>
-              <a:gs pos="0">
-                <a:schemeClr val="accent2">
-                  <a:lumMod val="5000"/>
-                  <a:lumOff val="95000"/>
-                </a:schemeClr>
-              </a:gs>
-              <a:gs pos="74000">
-                <a:schemeClr val="accent2">
-                  <a:lumMod val="45000"/>
-                  <a:lumOff val="55000"/>
-                </a:schemeClr>
-              </a:gs>
-              <a:gs pos="83000">
-                <a:schemeClr val="accent2">
-                  <a:lumMod val="45000"/>
-                  <a:lumOff val="55000"/>
-                </a:schemeClr>
-              </a:gs>
-              <a:gs pos="100000">
-                <a:schemeClr val="accent2">
-                  <a:lumMod val="30000"/>
-                  <a:lumOff val="70000"/>
-                </a:schemeClr>
-              </a:gs>
-            </a:gsLst>
-            <a:lin ang="5400000" scaled="1"/>
-            <a:tileRect/>
-          </a:gradFill>
-        </p:spPr>
-        <p:style>
-          <a:lnRef idx="1">
-            <a:schemeClr val="accent1"/>
-          </a:lnRef>
-          <a:fillRef idx="3">
-            <a:schemeClr val="accent1"/>
-          </a:fillRef>
-          <a:effectRef idx="2">
-            <a:schemeClr val="accent1"/>
-          </a:effectRef>
-          <a:fontRef idx="minor">
-            <a:schemeClr val="lt1"/>
-          </a:fontRef>
-        </p:style>
-        <p:txBody>
-          <a:bodyPr rtlCol="0" anchor="ctr"/>
-          <a:lstStyle/>
-          <a:p>
-            <a:pPr algn="ctr"/>
-            <a:r>
-              <a:rPr lang="en-US" sz="2000" dirty="0" smtClean="0">
-                <a:solidFill>
-                  <a:schemeClr val="tx1"/>
-                </a:solidFill>
-              </a:rPr>
-              <a:t>Build Model</a:t>
-            </a:r>
-            <a:endParaRPr lang="en-US" sz="2000" dirty="0">
-              <a:solidFill>
-                <a:schemeClr val="tx1"/>
-              </a:solidFill>
-            </a:endParaRPr>
-          </a:p>
-        </p:txBody>
-      </p:sp>
-      <p:sp>
-        <p:nvSpPr>
-          <p:cNvPr id="26" name="Rectangle 25"/>
-          <p:cNvSpPr/>
-          <p:nvPr/>
-        </p:nvSpPr>
-        <p:spPr>
-          <a:xfrm>
-            <a:off x="5112139" y="2454026"/>
-            <a:ext cx="3574662" cy="553969"/>
-          </a:xfrm>
-          <a:prstGeom prst="rect">
-            <a:avLst/>
-          </a:prstGeom>
-          <a:gradFill flip="none" rotWithShape="1">
-            <a:gsLst>
-              <a:gs pos="0">
-                <a:schemeClr val="accent2">
-                  <a:lumMod val="5000"/>
-                  <a:lumOff val="95000"/>
-                </a:schemeClr>
-              </a:gs>
-              <a:gs pos="74000">
-                <a:schemeClr val="accent2">
-                  <a:lumMod val="45000"/>
-                  <a:lumOff val="55000"/>
-                </a:schemeClr>
-              </a:gs>
-              <a:gs pos="83000">
-                <a:schemeClr val="accent2">
-                  <a:lumMod val="45000"/>
-                  <a:lumOff val="55000"/>
-                </a:schemeClr>
-              </a:gs>
-              <a:gs pos="100000">
-                <a:schemeClr val="accent2">
-                  <a:lumMod val="30000"/>
-                  <a:lumOff val="70000"/>
-                </a:schemeClr>
-              </a:gs>
-            </a:gsLst>
-            <a:lin ang="5400000" scaled="1"/>
-            <a:tileRect/>
-          </a:gradFill>
-        </p:spPr>
-        <p:style>
-          <a:lnRef idx="1">
-            <a:schemeClr val="accent1"/>
-          </a:lnRef>
-          <a:fillRef idx="3">
-            <a:schemeClr val="accent1"/>
-          </a:fillRef>
-          <a:effectRef idx="2">
-            <a:schemeClr val="accent1"/>
-          </a:effectRef>
-          <a:fontRef idx="minor">
-            <a:schemeClr val="lt1"/>
-          </a:fontRef>
-        </p:style>
-        <p:txBody>
-          <a:bodyPr rtlCol="0" anchor="ctr"/>
-          <a:lstStyle/>
-          <a:p>
-            <a:pPr algn="ctr"/>
-            <a:r>
-              <a:rPr lang="en-US" sz="2000" dirty="0" smtClean="0">
-                <a:solidFill>
-                  <a:schemeClr val="tx1"/>
-                </a:solidFill>
-              </a:rPr>
-              <a:t>Interact with Application</a:t>
-            </a:r>
-            <a:endParaRPr lang="en-US" sz="2000" dirty="0">
-              <a:solidFill>
-                <a:schemeClr val="tx1"/>
-              </a:solidFill>
-            </a:endParaRPr>
-          </a:p>
-        </p:txBody>
-      </p:sp>
-      <p:cxnSp>
-        <p:nvCxnSpPr>
-          <p:cNvPr id="36" name="Straight Connector 35"/>
-          <p:cNvCxnSpPr/>
-          <p:nvPr/>
-        </p:nvCxnSpPr>
-        <p:spPr>
-          <a:xfrm>
-            <a:off x="4553176" y="808146"/>
-            <a:ext cx="0" cy="2662822"/>
-          </a:xfrm>
-          <a:prstGeom prst="line">
-            <a:avLst/>
-          </a:prstGeom>
-        </p:spPr>
-        <p:style>
-          <a:lnRef idx="2">
-            <a:schemeClr val="accent1"/>
-          </a:lnRef>
-          <a:fillRef idx="0">
-            <a:schemeClr val="accent1"/>
-          </a:fillRef>
-          <a:effectRef idx="1">
-            <a:schemeClr val="accent1"/>
-          </a:effectRef>
-          <a:fontRef idx="minor">
-            <a:schemeClr val="tx1"/>
-          </a:fontRef>
-        </p:style>
-      </p:cxnSp>
-      <p:cxnSp>
-        <p:nvCxnSpPr>
-          <p:cNvPr id="38" name="Straight Arrow Connector 37"/>
-          <p:cNvCxnSpPr>
-            <a:stCxn id="10" idx="2"/>
-          </p:cNvCxnSpPr>
-          <p:nvPr/>
-        </p:nvCxnSpPr>
-        <p:spPr>
-          <a:xfrm>
-            <a:off x="2194500" y="2637004"/>
-            <a:ext cx="0" cy="333663"/>
-          </a:xfrm>
-          <a:prstGeom prst="straightConnector1">
-            <a:avLst/>
-          </a:prstGeom>
-          <a:ln w="38100">
-            <a:tailEnd type="triangle" w="lg" len="lg"/>
-          </a:ln>
-        </p:spPr>
-        <p:style>
-          <a:lnRef idx="2">
-            <a:schemeClr val="accent1"/>
-          </a:lnRef>
-          <a:fillRef idx="0">
-            <a:schemeClr val="accent1"/>
-          </a:fillRef>
-          <a:effectRef idx="1">
-            <a:schemeClr val="accent1"/>
-          </a:effectRef>
-          <a:fontRef idx="minor">
-            <a:schemeClr val="tx1"/>
-          </a:fontRef>
-        </p:style>
-      </p:cxnSp>
-      <p:cxnSp>
-        <p:nvCxnSpPr>
-          <p:cNvPr id="41" name="Straight Arrow Connector 40"/>
-          <p:cNvCxnSpPr>
-            <a:stCxn id="12" idx="2"/>
-            <a:endCxn id="10" idx="0"/>
-          </p:cNvCxnSpPr>
-          <p:nvPr/>
-        </p:nvCxnSpPr>
-        <p:spPr>
-          <a:xfrm>
-            <a:off x="2194500" y="1884804"/>
-            <a:ext cx="0" cy="310059"/>
-          </a:xfrm>
-          <a:prstGeom prst="straightConnector1">
-            <a:avLst/>
-          </a:prstGeom>
-          <a:ln w="38100">
-            <a:tailEnd type="triangle" w="lg" len="lg"/>
-          </a:ln>
-        </p:spPr>
-        <p:style>
-          <a:lnRef idx="2">
-            <a:schemeClr val="accent1"/>
-          </a:lnRef>
-          <a:fillRef idx="0">
-            <a:schemeClr val="accent1"/>
-          </a:fillRef>
-          <a:effectRef idx="1">
-            <a:schemeClr val="accent1"/>
-          </a:effectRef>
-          <a:fontRef idx="minor">
-            <a:schemeClr val="tx1"/>
-          </a:fontRef>
-        </p:style>
-      </p:cxnSp>
-      <p:cxnSp>
-        <p:nvCxnSpPr>
-          <p:cNvPr id="44" name="Straight Arrow Connector 43"/>
-          <p:cNvCxnSpPr/>
-          <p:nvPr/>
-        </p:nvCxnSpPr>
-        <p:spPr>
-          <a:xfrm>
-            <a:off x="6811543" y="1990235"/>
-            <a:ext cx="1831" cy="463791"/>
-          </a:xfrm>
-          <a:prstGeom prst="straightConnector1">
-            <a:avLst/>
-          </a:prstGeom>
-          <a:ln w="38100">
-            <a:tailEnd type="triangle" w="lg" len="lg"/>
-          </a:ln>
-        </p:spPr>
-        <p:style>
-          <a:lnRef idx="2">
-            <a:schemeClr val="accent1"/>
-          </a:lnRef>
-          <a:fillRef idx="0">
-            <a:schemeClr val="accent1"/>
-          </a:fillRef>
-          <a:effectRef idx="1">
-            <a:schemeClr val="accent1"/>
-          </a:effectRef>
-          <a:fontRef idx="minor">
-            <a:schemeClr val="tx1"/>
-          </a:fontRef>
-        </p:style>
-      </p:cxnSp>
-      <p:cxnSp>
-        <p:nvCxnSpPr>
-          <p:cNvPr id="48" name="Straight Arrow Connector 47"/>
-          <p:cNvCxnSpPr/>
-          <p:nvPr/>
-        </p:nvCxnSpPr>
-        <p:spPr>
-          <a:xfrm>
-            <a:off x="6824136" y="3007996"/>
-            <a:ext cx="0" cy="462972"/>
-          </a:xfrm>
-          <a:prstGeom prst="straightConnector1">
-            <a:avLst/>
-          </a:prstGeom>
-          <a:ln w="38100">
-            <a:tailEnd type="triangle" w="lg" len="lg"/>
-          </a:ln>
-        </p:spPr>
-        <p:style>
-          <a:lnRef idx="2">
-            <a:schemeClr val="accent1"/>
-          </a:lnRef>
-          <a:fillRef idx="0">
-            <a:schemeClr val="accent1"/>
-          </a:fillRef>
-          <a:effectRef idx="1">
-            <a:schemeClr val="accent1"/>
-          </a:effectRef>
-          <a:fontRef idx="minor">
-            <a:schemeClr val="tx1"/>
-          </a:fontRef>
-        </p:style>
-      </p:cxnSp>
-      <p:sp>
-        <p:nvSpPr>
-          <p:cNvPr id="73" name="Right Arrow 72"/>
-          <p:cNvSpPr/>
-          <p:nvPr/>
-        </p:nvSpPr>
-        <p:spPr>
-          <a:xfrm>
-            <a:off x="3141660" y="3947546"/>
-            <a:ext cx="2971380" cy="196315"/>
-          </a:xfrm>
-          <a:prstGeom prst="rightArrow">
-            <a:avLst/>
-          </a:prstGeom>
-        </p:spPr>
-        <p:style>
-          <a:lnRef idx="1">
-            <a:schemeClr val="accent1"/>
-          </a:lnRef>
-          <a:fillRef idx="3">
-            <a:schemeClr val="accent1"/>
-          </a:fillRef>
-          <a:effectRef idx="2">
-            <a:schemeClr val="accent1"/>
-          </a:effectRef>
-          <a:fontRef idx="minor">
-            <a:schemeClr val="lt1"/>
-          </a:fontRef>
-        </p:style>
-        <p:txBody>
-          <a:bodyPr rtlCol="0" anchor="ctr"/>
-          <a:lstStyle/>
-          <a:p>
-            <a:pPr algn="ctr"/>
-            <a:endParaRPr lang="en-US"/>
-          </a:p>
-        </p:txBody>
-      </p:sp>
-      <p:sp>
-        <p:nvSpPr>
-          <p:cNvPr id="76" name="TextBox 75"/>
-          <p:cNvSpPr txBox="1"/>
-          <p:nvPr/>
-        </p:nvSpPr>
-        <p:spPr>
-          <a:xfrm>
-            <a:off x="3689279" y="3600270"/>
-            <a:ext cx="1727794" cy="369332"/>
-          </a:xfrm>
-          <a:prstGeom prst="rect">
-            <a:avLst/>
-          </a:prstGeom>
-          <a:noFill/>
-        </p:spPr>
-        <p:txBody>
-          <a:bodyPr wrap="none" rtlCol="0">
-            <a:spAutoFit/>
-          </a:bodyPr>
-          <a:lstStyle/>
-          <a:p>
-            <a:r>
-              <a:rPr lang="en-US" sz="1800" dirty="0" smtClean="0">
-                <a:latin typeface="+mn-lt"/>
-              </a:rPr>
-              <a:t>Export Database</a:t>
-            </a:r>
-            <a:endParaRPr lang="en-US" sz="1800" dirty="0">
-              <a:latin typeface="+mn-lt"/>
-            </a:endParaRPr>
-          </a:p>
-        </p:txBody>
-      </p:sp>
-      <p:sp>
-        <p:nvSpPr>
-          <p:cNvPr id="20" name="TextBox 19"/>
-          <p:cNvSpPr txBox="1"/>
-          <p:nvPr/>
-        </p:nvSpPr>
-        <p:spPr>
-          <a:xfrm>
-            <a:off x="394390" y="3470968"/>
-            <a:ext cx="1409160" cy="584776"/>
-          </a:xfrm>
-          <a:prstGeom prst="rect">
-            <a:avLst/>
-          </a:prstGeom>
-          <a:noFill/>
-        </p:spPr>
-        <p:txBody>
-          <a:bodyPr wrap="none" rtlCol="0">
-            <a:spAutoFit/>
-          </a:bodyPr>
-          <a:lstStyle/>
-          <a:p>
-            <a:r>
-              <a:rPr lang="en-US" sz="3200" dirty="0" smtClean="0">
-                <a:latin typeface="+mn-lt"/>
-              </a:rPr>
-              <a:t>Scoring</a:t>
-            </a:r>
-            <a:endParaRPr lang="en-US" sz="3200" dirty="0">
-              <a:latin typeface="+mn-lt"/>
-            </a:endParaRPr>
-          </a:p>
-        </p:txBody>
-      </p:sp>
-      <p:pic>
-        <p:nvPicPr>
-          <p:cNvPr id="30" name="Picture 29"/>
-          <p:cNvPicPr>
-            <a:picLocks noChangeAspect="1"/>
-          </p:cNvPicPr>
-          <p:nvPr/>
-        </p:nvPicPr>
-        <p:blipFill>
-          <a:blip r:embed="rId2"/>
-          <a:stretch>
-            <a:fillRect/>
-          </a:stretch>
-        </p:blipFill>
-        <p:spPr>
-          <a:xfrm>
-            <a:off x="6698835" y="1389102"/>
-            <a:ext cx="440655" cy="440655"/>
-          </a:xfrm>
-          <a:prstGeom prst="rect">
-            <a:avLst/>
-          </a:prstGeom>
-        </p:spPr>
-      </p:pic>
-      <p:sp>
-        <p:nvSpPr>
-          <p:cNvPr id="21" name="Magnetic Disk 20"/>
-          <p:cNvSpPr/>
-          <p:nvPr/>
-        </p:nvSpPr>
-        <p:spPr>
-          <a:xfrm>
-            <a:off x="6235752" y="3481877"/>
-            <a:ext cx="1323774" cy="898764"/>
-          </a:xfrm>
-          <a:prstGeom prst="flowChartMagneticDisk">
-            <a:avLst/>
-          </a:prstGeom>
-          <a:solidFill>
-            <a:schemeClr val="accent4">
-              <a:lumMod val="40000"/>
-              <a:lumOff val="60000"/>
-            </a:schemeClr>
-          </a:solidFill>
-        </p:spPr>
-        <p:style>
-          <a:lnRef idx="1">
-            <a:schemeClr val="accent1"/>
-          </a:lnRef>
-          <a:fillRef idx="3">
-            <a:schemeClr val="accent1"/>
-          </a:fillRef>
-          <a:effectRef idx="2">
-            <a:schemeClr val="accent1"/>
-          </a:effectRef>
-          <a:fontRef idx="minor">
-            <a:schemeClr val="lt1"/>
-          </a:fontRef>
-        </p:style>
-        <p:txBody>
-          <a:bodyPr rtlCol="0" anchor="ctr"/>
-          <a:lstStyle/>
-          <a:p>
-            <a:pPr algn="ctr"/>
-            <a:r>
-              <a:rPr lang="en-US" sz="2000" dirty="0" smtClean="0">
-                <a:solidFill>
-                  <a:schemeClr val="tx1"/>
-                </a:solidFill>
-              </a:rPr>
-              <a:t>Database</a:t>
-            </a:r>
-            <a:endParaRPr lang="en-US" sz="2000" dirty="0">
-              <a:solidFill>
-                <a:schemeClr val="tx1"/>
-              </a:solidFill>
-            </a:endParaRPr>
-          </a:p>
-        </p:txBody>
-      </p:sp>
-      <p:cxnSp>
-        <p:nvCxnSpPr>
-          <p:cNvPr id="37" name="Straight Arrow Connector 36"/>
-          <p:cNvCxnSpPr/>
-          <p:nvPr/>
-        </p:nvCxnSpPr>
-        <p:spPr>
-          <a:xfrm flipV="1">
-            <a:off x="7034371" y="3007998"/>
-            <a:ext cx="0" cy="462970"/>
-          </a:xfrm>
-          <a:prstGeom prst="straightConnector1">
-            <a:avLst/>
-          </a:prstGeom>
-          <a:ln w="38100">
-            <a:tailEnd type="triangle" w="lg" len="lg"/>
-          </a:ln>
-        </p:spPr>
-        <p:style>
-          <a:lnRef idx="2">
-            <a:schemeClr val="accent1"/>
-          </a:lnRef>
-          <a:fillRef idx="0">
-            <a:schemeClr val="accent1"/>
-          </a:fillRef>
-          <a:effectRef idx="1">
-            <a:schemeClr val="accent1"/>
-          </a:effectRef>
-          <a:fontRef idx="minor">
-            <a:schemeClr val="tx1"/>
-          </a:fontRef>
-        </p:style>
-      </p:cxnSp>
-      <p:sp>
-        <p:nvSpPr>
-          <p:cNvPr id="47" name="12-Point Star 46"/>
-          <p:cNvSpPr/>
-          <p:nvPr/>
-        </p:nvSpPr>
-        <p:spPr>
-          <a:xfrm>
-            <a:off x="1268863" y="3965675"/>
-            <a:ext cx="1872797" cy="980444"/>
-          </a:xfrm>
-          <a:prstGeom prst="star12">
-            <a:avLst/>
-          </a:prstGeom>
-          <a:solidFill>
-            <a:schemeClr val="accent4">
-              <a:lumMod val="40000"/>
-              <a:lumOff val="60000"/>
-            </a:schemeClr>
-          </a:solidFill>
-        </p:spPr>
-        <p:style>
-          <a:lnRef idx="1">
-            <a:schemeClr val="accent1"/>
-          </a:lnRef>
-          <a:fillRef idx="3">
-            <a:schemeClr val="accent1"/>
-          </a:fillRef>
-          <a:effectRef idx="2">
-            <a:schemeClr val="accent1"/>
-          </a:effectRef>
-          <a:fontRef idx="minor">
-            <a:schemeClr val="lt1"/>
-          </a:fontRef>
-        </p:style>
-        <p:txBody>
-          <a:bodyPr rtlCol="0" anchor="ctr"/>
-          <a:lstStyle/>
-          <a:p>
-            <a:pPr algn="ctr"/>
-            <a:r>
-              <a:rPr lang="en-US" sz="2000" dirty="0" smtClean="0">
-                <a:solidFill>
-                  <a:schemeClr val="tx1"/>
-                </a:solidFill>
-              </a:rPr>
-              <a:t>Use Model</a:t>
-            </a:r>
-            <a:endParaRPr lang="en-US" sz="2000" dirty="0">
-              <a:solidFill>
-                <a:schemeClr val="tx1"/>
-              </a:solidFill>
-            </a:endParaRPr>
-          </a:p>
-        </p:txBody>
-      </p:sp>
-      <p:cxnSp>
-        <p:nvCxnSpPr>
-          <p:cNvPr id="49" name="Straight Arrow Connector 48"/>
-          <p:cNvCxnSpPr>
-            <a:stCxn id="24" idx="2"/>
-            <a:endCxn id="47" idx="10"/>
-          </p:cNvCxnSpPr>
-          <p:nvPr/>
-        </p:nvCxnSpPr>
-        <p:spPr>
-          <a:xfrm>
-            <a:off x="2196316" y="3422683"/>
-            <a:ext cx="8946" cy="542992"/>
-          </a:xfrm>
-          <a:prstGeom prst="straightConnector1">
-            <a:avLst/>
-          </a:prstGeom>
-          <a:ln w="38100">
-            <a:tailEnd type="triangle" w="lg" len="lg"/>
-          </a:ln>
-        </p:spPr>
-        <p:style>
-          <a:lnRef idx="2">
-            <a:schemeClr val="accent1"/>
-          </a:lnRef>
-          <a:fillRef idx="0">
-            <a:schemeClr val="accent1"/>
-          </a:fillRef>
-          <a:effectRef idx="1">
-            <a:schemeClr val="accent1"/>
-          </a:effectRef>
-          <a:fontRef idx="minor">
-            <a:schemeClr val="tx1"/>
-          </a:fontRef>
-        </p:style>
-      </p:cxnSp>
-      <p:cxnSp>
-        <p:nvCxnSpPr>
-          <p:cNvPr id="56" name="Straight Arrow Connector 55"/>
-          <p:cNvCxnSpPr/>
-          <p:nvPr/>
-        </p:nvCxnSpPr>
-        <p:spPr>
-          <a:xfrm flipV="1">
-            <a:off x="7034371" y="1986356"/>
-            <a:ext cx="0" cy="462970"/>
-          </a:xfrm>
-          <a:prstGeom prst="straightConnector1">
-            <a:avLst/>
-          </a:prstGeom>
-          <a:ln w="38100">
-            <a:tailEnd type="triangle" w="lg" len="lg"/>
-          </a:ln>
-        </p:spPr>
-        <p:style>
-          <a:lnRef idx="2">
-            <a:schemeClr val="accent1"/>
-          </a:lnRef>
-          <a:fillRef idx="0">
-            <a:schemeClr val="accent1"/>
-          </a:fillRef>
-          <a:effectRef idx="1">
-            <a:schemeClr val="accent1"/>
-          </a:effectRef>
-          <a:fontRef idx="minor">
-            <a:schemeClr val="tx1"/>
-          </a:fontRef>
-        </p:style>
-      </p:cxnSp>
-    </p:spTree>
-    <p:extLst>
-      <p:ext uri="{BB962C8B-B14F-4D97-AF65-F5344CB8AC3E}">
-        <p14:creationId xmlns:p14="http://schemas.microsoft.com/office/powerpoint/2010/main" val="146365474"/>
-      </p:ext>
-    </p:extLst>
-  </p:cSld>
-  <p:clrMapOvr>
-    <a:masterClrMapping/>
-  </p:clrMapOvr>
-  <p:timing>
-    <p:tnLst>
-      <p:par>
-        <p:cTn xmlns:p14="http://schemas.microsoft.com/office/powerpoint/2010/main" id="1" dur="indefinite" restart="never" nodeType="tmRoot"/>
-      </p:par>
-    </p:tnLst>
-  </p:timing>
-</p:sld>
-</file>
-
-<file path=ppt/slides/slide37.xml><?xml version="1.0" encoding="utf-8"?>
-<p:sld xmlns:a="http://schemas.openxmlformats.org/drawingml/2006/main" xmlns:r="http://schemas.openxmlformats.org/officeDocument/2006/relationships" xmlns:p="http://schemas.openxmlformats.org/presentationml/2006/main">
-  <p:cSld>
-    <p:spTree>
-      <p:nvGrpSpPr>
-        <p:cNvPr id="1" name=""/>
-        <p:cNvGrpSpPr/>
-        <p:nvPr/>
-      </p:nvGrpSpPr>
-      <p:grpSpPr>
-        <a:xfrm>
-          <a:off x="0" y="0"/>
-          <a:ext cx="0" cy="0"/>
-          <a:chOff x="0" y="0"/>
-          <a:chExt cx="0" cy="0"/>
-        </a:xfrm>
-      </p:grpSpPr>
-      <p:sp>
-        <p:nvSpPr>
-          <p:cNvPr id="2" name="Title 1"/>
-          <p:cNvSpPr>
-            <a:spLocks noGrp="1"/>
-          </p:cNvSpPr>
-          <p:nvPr>
-            <p:ph type="title"/>
-          </p:nvPr>
-        </p:nvSpPr>
-        <p:spPr/>
-        <p:txBody>
-          <a:bodyPr/>
-          <a:lstStyle/>
-          <a:p>
-            <a:r>
-              <a:rPr lang="en-US" dirty="0" smtClean="0"/>
               <a:t>Q &amp; A</a:t>
             </a:r>
             <a:endParaRPr lang="en-US" dirty="0"/>
@@ -18777,7 +17719,7 @@
 </p:sld>
 </file>
 
-<file path=ppt/slides/slide38.xml><?xml version="1.0" encoding="utf-8"?>
+<file path=ppt/slides/slide36.xml><?xml version="1.0" encoding="utf-8"?>
 <p:sld xmlns:a="http://schemas.openxmlformats.org/drawingml/2006/main" xmlns:r="http://schemas.openxmlformats.org/officeDocument/2006/relationships" xmlns:p="http://schemas.openxmlformats.org/presentationml/2006/main" show="0">
   <p:cSld>
     <p:spTree>
@@ -18852,6 +17794,211 @@
 </p:sld>
 </file>
 
+<file path=ppt/slides/slide37.xml><?xml version="1.0" encoding="utf-8"?>
+<p:sld xmlns:a="http://schemas.openxmlformats.org/drawingml/2006/main" xmlns:r="http://schemas.openxmlformats.org/officeDocument/2006/relationships" xmlns:p="http://schemas.openxmlformats.org/presentationml/2006/main" show="0">
+  <p:cSld>
+    <p:spTree>
+      <p:nvGrpSpPr>
+        <p:cNvPr id="1" name=""/>
+        <p:cNvGrpSpPr/>
+        <p:nvPr/>
+      </p:nvGrpSpPr>
+      <p:grpSpPr>
+        <a:xfrm>
+          <a:off x="0" y="0"/>
+          <a:ext cx="0" cy="0"/>
+          <a:chOff x="0" y="0"/>
+          <a:chExt cx="0" cy="0"/>
+        </a:xfrm>
+      </p:grpSpPr>
+      <p:sp>
+        <p:nvSpPr>
+          <p:cNvPr id="2" name="Title 1"/>
+          <p:cNvSpPr>
+            <a:spLocks noGrp="1"/>
+          </p:cNvSpPr>
+          <p:nvPr>
+            <p:ph type="title"/>
+          </p:nvPr>
+        </p:nvSpPr>
+        <p:spPr/>
+        <p:txBody>
+          <a:bodyPr/>
+          <a:lstStyle/>
+          <a:p>
+            <a:r>
+              <a:rPr lang="en-US" dirty="0" smtClean="0"/>
+              <a:t>FEATURE ENGINEERING</a:t>
+            </a:r>
+            <a:endParaRPr lang="en-US" dirty="0"/>
+          </a:p>
+        </p:txBody>
+      </p:sp>
+      <p:sp>
+        <p:nvSpPr>
+          <p:cNvPr id="3" name="Content Placeholder 2"/>
+          <p:cNvSpPr>
+            <a:spLocks noGrp="1"/>
+          </p:cNvSpPr>
+          <p:nvPr>
+            <p:ph idx="1"/>
+          </p:nvPr>
+        </p:nvSpPr>
+        <p:spPr/>
+        <p:txBody>
+          <a:bodyPr/>
+          <a:lstStyle/>
+          <a:p>
+            <a:r>
+              <a:rPr lang="en-US" dirty="0"/>
+              <a:t>For a model in production to make predictions, it needs access to the same features that were trained on</a:t>
+            </a:r>
+          </a:p>
+          <a:p>
+            <a:r>
+              <a:rPr lang="en-US" dirty="0" smtClean="0"/>
+              <a:t>Often there is a need to build the same features in both training and production environments</a:t>
+            </a:r>
+          </a:p>
+        </p:txBody>
+      </p:sp>
+    </p:spTree>
+    <p:extLst>
+      <p:ext uri="{BB962C8B-B14F-4D97-AF65-F5344CB8AC3E}">
+        <p14:creationId xmlns:p14="http://schemas.microsoft.com/office/powerpoint/2010/main" val="3202273333"/>
+      </p:ext>
+    </p:extLst>
+  </p:cSld>
+  <p:clrMapOvr>
+    <a:masterClrMapping/>
+  </p:clrMapOvr>
+  <mc:AlternateContent xmlns:mc="http://schemas.openxmlformats.org/markup-compatibility/2006">
+    <mc:Choice xmlns:p14="http://schemas.microsoft.com/office/powerpoint/2010/main" Requires="p14">
+      <p:transition spd="slow" p14:dur="2000"/>
+    </mc:Choice>
+    <mc:Fallback>
+      <p:transition xmlns:p14="http://schemas.microsoft.com/office/powerpoint/2010/main" spd="slow"/>
+    </mc:Fallback>
+  </mc:AlternateContent>
+</p:sld>
+</file>
+
+<file path=ppt/slides/slide38.xml><?xml version="1.0" encoding="utf-8"?>
+<p:sld xmlns:a="http://schemas.openxmlformats.org/drawingml/2006/main" xmlns:r="http://schemas.openxmlformats.org/officeDocument/2006/relationships" xmlns:p="http://schemas.openxmlformats.org/presentationml/2006/main" show="0">
+  <p:cSld>
+    <p:spTree>
+      <p:nvGrpSpPr>
+        <p:cNvPr id="1" name=""/>
+        <p:cNvGrpSpPr/>
+        <p:nvPr/>
+      </p:nvGrpSpPr>
+      <p:grpSpPr>
+        <a:xfrm>
+          <a:off x="0" y="0"/>
+          <a:ext cx="0" cy="0"/>
+          <a:chOff x="0" y="0"/>
+          <a:chExt cx="0" cy="0"/>
+        </a:xfrm>
+      </p:grpSpPr>
+      <p:sp>
+        <p:nvSpPr>
+          <p:cNvPr id="2" name="Title 1"/>
+          <p:cNvSpPr>
+            <a:spLocks noGrp="1"/>
+          </p:cNvSpPr>
+          <p:nvPr>
+            <p:ph type="title"/>
+          </p:nvPr>
+        </p:nvSpPr>
+        <p:spPr/>
+        <p:txBody>
+          <a:bodyPr/>
+          <a:lstStyle/>
+          <a:p>
+            <a:r>
+              <a:rPr lang="en-US" dirty="0" smtClean="0"/>
+              <a:t>FEATURE ENGINEERING DIMENSIONS</a:t>
+            </a:r>
+            <a:endParaRPr lang="en-US" dirty="0"/>
+          </a:p>
+        </p:txBody>
+      </p:sp>
+      <p:sp>
+        <p:nvSpPr>
+          <p:cNvPr id="3" name="Content Placeholder 2"/>
+          <p:cNvSpPr>
+            <a:spLocks noGrp="1"/>
+          </p:cNvSpPr>
+          <p:nvPr>
+            <p:ph idx="1"/>
+          </p:nvPr>
+        </p:nvSpPr>
+        <p:spPr/>
+        <p:txBody>
+          <a:bodyPr>
+            <a:normAutofit lnSpcReduction="10000"/>
+          </a:bodyPr>
+          <a:lstStyle/>
+          <a:p>
+            <a:r>
+              <a:rPr lang="en-US" dirty="0" smtClean="0"/>
+              <a:t>Language:  R / Python / Java / Scala</a:t>
+            </a:r>
+          </a:p>
+          <a:p>
+            <a:r>
+              <a:rPr lang="en-US" dirty="0" smtClean="0"/>
+              <a:t>Code re-use for train and prod:  Yes / No</a:t>
+            </a:r>
+          </a:p>
+          <a:p>
+            <a:r>
+              <a:rPr lang="en-US" dirty="0" smtClean="0"/>
+              <a:t>Prod is batch / interactive</a:t>
+            </a:r>
+          </a:p>
+          <a:p>
+            <a:r>
+              <a:rPr lang="en-US" dirty="0" smtClean="0"/>
+              <a:t>Latency SLA</a:t>
+            </a:r>
+          </a:p>
+          <a:p>
+            <a:r>
+              <a:rPr lang="en-US" dirty="0" smtClean="0"/>
+              <a:t>Throughput SLA</a:t>
+            </a:r>
+          </a:p>
+          <a:p>
+            <a:r>
+              <a:rPr lang="en-US" dirty="0" smtClean="0"/>
+              <a:t>Live lookups:  Yes / No</a:t>
+            </a:r>
+            <a:endParaRPr lang="en-US" dirty="0"/>
+          </a:p>
+        </p:txBody>
+      </p:sp>
+    </p:spTree>
+    <p:extLst>
+      <p:ext uri="{BB962C8B-B14F-4D97-AF65-F5344CB8AC3E}">
+        <p14:creationId xmlns:p14="http://schemas.microsoft.com/office/powerpoint/2010/main" val="2874923289"/>
+      </p:ext>
+    </p:extLst>
+  </p:cSld>
+  <p:clrMapOvr>
+    <a:masterClrMapping/>
+  </p:clrMapOvr>
+  <mc:AlternateContent xmlns:mc="http://schemas.openxmlformats.org/markup-compatibility/2006">
+    <mc:Choice xmlns:p14="http://schemas.microsoft.com/office/powerpoint/2010/main" Requires="p14">
+      <p:transition spd="slow" p14:dur="2000"/>
+    </mc:Choice>
+    <mc:Fallback>
+      <p:transition xmlns:p14="http://schemas.microsoft.com/office/powerpoint/2010/main" spd="slow"/>
+    </mc:Fallback>
+  </mc:AlternateContent>
+</p:sld>
+</file>
+
 <file path=ppt/slides/slide39.xml><?xml version="1.0" encoding="utf-8"?>
 <p:sld xmlns:a="http://schemas.openxmlformats.org/drawingml/2006/main" xmlns:r="http://schemas.openxmlformats.org/officeDocument/2006/relationships" xmlns:p="http://schemas.openxmlformats.org/presentationml/2006/main" show="0">
   <p:cSld>
@@ -18886,7 +18033,7 @@
           <a:p>
             <a:r>
               <a:rPr lang="en-US" dirty="0" smtClean="0"/>
-              <a:t>FEATURE ENGINEERING</a:t>
+              <a:t>FEATURE ENGINEERING RECIPIES</a:t>
             </a:r>
             <a:endParaRPr lang="en-US" dirty="0"/>
           </a:p>
@@ -18904,18 +18051,57 @@
         </p:nvSpPr>
         <p:spPr/>
         <p:txBody>
-          <a:bodyPr/>
-          <a:lstStyle/>
-          <a:p>
-            <a:r>
-              <a:rPr lang="en-US" dirty="0"/>
-              <a:t>For a model in production to make predictions, it needs access to the same features that were trained on</a:t>
-            </a:r>
-          </a:p>
-          <a:p>
-            <a:r>
-              <a:rPr lang="en-US" dirty="0" smtClean="0"/>
-              <a:t>Often there is a need to build the same features in both training and production environments</a:t>
+          <a:bodyPr>
+            <a:normAutofit fontScale="92500" lnSpcReduction="20000"/>
+          </a:bodyPr>
+          <a:lstStyle/>
+          <a:p>
+            <a:r>
+              <a:rPr lang="en-US" dirty="0" smtClean="0"/>
+              <a:t>Think like a pipeline</a:t>
+            </a:r>
+          </a:p>
+          <a:p>
+            <a:r>
+              <a:rPr lang="en-US" dirty="0" smtClean="0"/>
+              <a:t>Function call to transform a row</a:t>
+            </a:r>
+          </a:p>
+          <a:p>
+            <a:pPr lvl="1"/>
+            <a:r>
+              <a:rPr lang="en-US" dirty="0" smtClean="0"/>
+              <a:t>Column Name/Value map in -&gt; map out</a:t>
+            </a:r>
+          </a:p>
+          <a:p>
+            <a:r>
+              <a:rPr lang="en-US" dirty="0" smtClean="0"/>
+              <a:t>Transformation </a:t>
+            </a:r>
+            <a:r>
+              <a:rPr lang="en-US" dirty="0" err="1" smtClean="0"/>
+              <a:t>microservice</a:t>
+            </a:r>
+            <a:endParaRPr lang="en-US" dirty="0" smtClean="0"/>
+          </a:p>
+          <a:p>
+            <a:r>
+              <a:rPr lang="en-US" dirty="0" smtClean="0"/>
+              <a:t>Storm feature engineering bolt</a:t>
+            </a:r>
+          </a:p>
+          <a:p>
+            <a:r>
+              <a:rPr lang="en-US" dirty="0" err="1"/>
+              <a:t>Jython</a:t>
+            </a:r>
+            <a:endParaRPr lang="en-US" dirty="0"/>
+          </a:p>
+          <a:p>
+            <a:r>
+              <a:rPr lang="en-US" dirty="0" smtClean="0"/>
+              <a:t>Live Python interpreter</a:t>
             </a:r>
           </a:p>
         </p:txBody>
@@ -18923,7 +18109,7 @@
     </p:spTree>
     <p:extLst>
       <p:ext uri="{BB962C8B-B14F-4D97-AF65-F5344CB8AC3E}">
-        <p14:creationId xmlns:p14="http://schemas.microsoft.com/office/powerpoint/2010/main" val="3202273333"/>
+        <p14:creationId xmlns:p14="http://schemas.microsoft.com/office/powerpoint/2010/main" val="623756938"/>
       </p:ext>
     </p:extLst>
   </p:cSld>
@@ -19092,250 +18278,6 @@
           <a:p>
             <a:r>
               <a:rPr lang="en-US" dirty="0" smtClean="0"/>
-              <a:t>FEATURE ENGINEERING DIMENSIONS</a:t>
-            </a:r>
-            <a:endParaRPr lang="en-US" dirty="0"/>
-          </a:p>
-        </p:txBody>
-      </p:sp>
-      <p:sp>
-        <p:nvSpPr>
-          <p:cNvPr id="3" name="Content Placeholder 2"/>
-          <p:cNvSpPr>
-            <a:spLocks noGrp="1"/>
-          </p:cNvSpPr>
-          <p:nvPr>
-            <p:ph idx="1"/>
-          </p:nvPr>
-        </p:nvSpPr>
-        <p:spPr/>
-        <p:txBody>
-          <a:bodyPr>
-            <a:normAutofit lnSpcReduction="10000"/>
-          </a:bodyPr>
-          <a:lstStyle/>
-          <a:p>
-            <a:r>
-              <a:rPr lang="en-US" dirty="0" smtClean="0"/>
-              <a:t>Language:  R / Python / Java / Scala</a:t>
-            </a:r>
-          </a:p>
-          <a:p>
-            <a:r>
-              <a:rPr lang="en-US" dirty="0" smtClean="0"/>
-              <a:t>Code re-use for train and prod:  Yes / No</a:t>
-            </a:r>
-          </a:p>
-          <a:p>
-            <a:r>
-              <a:rPr lang="en-US" dirty="0" smtClean="0"/>
-              <a:t>Prod is batch / interactive</a:t>
-            </a:r>
-          </a:p>
-          <a:p>
-            <a:r>
-              <a:rPr lang="en-US" dirty="0" smtClean="0"/>
-              <a:t>Latency SLA</a:t>
-            </a:r>
-          </a:p>
-          <a:p>
-            <a:r>
-              <a:rPr lang="en-US" dirty="0" smtClean="0"/>
-              <a:t>Throughput SLA</a:t>
-            </a:r>
-          </a:p>
-          <a:p>
-            <a:r>
-              <a:rPr lang="en-US" dirty="0" smtClean="0"/>
-              <a:t>Live lookups:  Yes / No</a:t>
-            </a:r>
-            <a:endParaRPr lang="en-US" dirty="0"/>
-          </a:p>
-        </p:txBody>
-      </p:sp>
-    </p:spTree>
-    <p:extLst>
-      <p:ext uri="{BB962C8B-B14F-4D97-AF65-F5344CB8AC3E}">
-        <p14:creationId xmlns:p14="http://schemas.microsoft.com/office/powerpoint/2010/main" val="2874923289"/>
-      </p:ext>
-    </p:extLst>
-  </p:cSld>
-  <p:clrMapOvr>
-    <a:masterClrMapping/>
-  </p:clrMapOvr>
-  <mc:AlternateContent xmlns:mc="http://schemas.openxmlformats.org/markup-compatibility/2006">
-    <mc:Choice xmlns:p14="http://schemas.microsoft.com/office/powerpoint/2010/main" Requires="p14">
-      <p:transition spd="slow" p14:dur="2000"/>
-    </mc:Choice>
-    <mc:Fallback>
-      <p:transition xmlns:p14="http://schemas.microsoft.com/office/powerpoint/2010/main" spd="slow"/>
-    </mc:Fallback>
-  </mc:AlternateContent>
-</p:sld>
-</file>
-
-<file path=ppt/slides/slide41.xml><?xml version="1.0" encoding="utf-8"?>
-<p:sld xmlns:a="http://schemas.openxmlformats.org/drawingml/2006/main" xmlns:r="http://schemas.openxmlformats.org/officeDocument/2006/relationships" xmlns:p="http://schemas.openxmlformats.org/presentationml/2006/main" show="0">
-  <p:cSld>
-    <p:spTree>
-      <p:nvGrpSpPr>
-        <p:cNvPr id="1" name=""/>
-        <p:cNvGrpSpPr/>
-        <p:nvPr/>
-      </p:nvGrpSpPr>
-      <p:grpSpPr>
-        <a:xfrm>
-          <a:off x="0" y="0"/>
-          <a:ext cx="0" cy="0"/>
-          <a:chOff x="0" y="0"/>
-          <a:chExt cx="0" cy="0"/>
-        </a:xfrm>
-      </p:grpSpPr>
-      <p:sp>
-        <p:nvSpPr>
-          <p:cNvPr id="2" name="Title 1"/>
-          <p:cNvSpPr>
-            <a:spLocks noGrp="1"/>
-          </p:cNvSpPr>
-          <p:nvPr>
-            <p:ph type="title"/>
-          </p:nvPr>
-        </p:nvSpPr>
-        <p:spPr/>
-        <p:txBody>
-          <a:bodyPr/>
-          <a:lstStyle/>
-          <a:p>
-            <a:r>
-              <a:rPr lang="en-US" dirty="0" smtClean="0"/>
-              <a:t>FEATURE ENGINEERING RECIPIES</a:t>
-            </a:r>
-            <a:endParaRPr lang="en-US" dirty="0"/>
-          </a:p>
-        </p:txBody>
-      </p:sp>
-      <p:sp>
-        <p:nvSpPr>
-          <p:cNvPr id="3" name="Content Placeholder 2"/>
-          <p:cNvSpPr>
-            <a:spLocks noGrp="1"/>
-          </p:cNvSpPr>
-          <p:nvPr>
-            <p:ph idx="1"/>
-          </p:nvPr>
-        </p:nvSpPr>
-        <p:spPr/>
-        <p:txBody>
-          <a:bodyPr>
-            <a:normAutofit fontScale="92500" lnSpcReduction="20000"/>
-          </a:bodyPr>
-          <a:lstStyle/>
-          <a:p>
-            <a:r>
-              <a:rPr lang="en-US" dirty="0" smtClean="0"/>
-              <a:t>Think like a pipeline</a:t>
-            </a:r>
-          </a:p>
-          <a:p>
-            <a:r>
-              <a:rPr lang="en-US" dirty="0" smtClean="0"/>
-              <a:t>Function call to transform a row</a:t>
-            </a:r>
-          </a:p>
-          <a:p>
-            <a:pPr lvl="1"/>
-            <a:r>
-              <a:rPr lang="en-US" dirty="0" smtClean="0"/>
-              <a:t>Column Name/Value map in -&gt; map out</a:t>
-            </a:r>
-          </a:p>
-          <a:p>
-            <a:r>
-              <a:rPr lang="en-US" dirty="0" smtClean="0"/>
-              <a:t>Transformation </a:t>
-            </a:r>
-            <a:r>
-              <a:rPr lang="en-US" dirty="0" err="1" smtClean="0"/>
-              <a:t>microservice</a:t>
-            </a:r>
-            <a:endParaRPr lang="en-US" dirty="0" smtClean="0"/>
-          </a:p>
-          <a:p>
-            <a:r>
-              <a:rPr lang="en-US" dirty="0" smtClean="0"/>
-              <a:t>Storm feature engineering bolt</a:t>
-            </a:r>
-          </a:p>
-          <a:p>
-            <a:r>
-              <a:rPr lang="en-US" dirty="0" err="1"/>
-              <a:t>Jython</a:t>
-            </a:r>
-            <a:endParaRPr lang="en-US" dirty="0"/>
-          </a:p>
-          <a:p>
-            <a:r>
-              <a:rPr lang="en-US" dirty="0" smtClean="0"/>
-              <a:t>Live Python interpreter</a:t>
-            </a:r>
-          </a:p>
-        </p:txBody>
-      </p:sp>
-    </p:spTree>
-    <p:extLst>
-      <p:ext uri="{BB962C8B-B14F-4D97-AF65-F5344CB8AC3E}">
-        <p14:creationId xmlns:p14="http://schemas.microsoft.com/office/powerpoint/2010/main" val="623756938"/>
-      </p:ext>
-    </p:extLst>
-  </p:cSld>
-  <p:clrMapOvr>
-    <a:masterClrMapping/>
-  </p:clrMapOvr>
-  <mc:AlternateContent xmlns:mc="http://schemas.openxmlformats.org/markup-compatibility/2006">
-    <mc:Choice xmlns:p14="http://schemas.microsoft.com/office/powerpoint/2010/main" Requires="p14">
-      <p:transition spd="slow" p14:dur="2000"/>
-    </mc:Choice>
-    <mc:Fallback>
-      <p:transition xmlns:p14="http://schemas.microsoft.com/office/powerpoint/2010/main" spd="slow"/>
-    </mc:Fallback>
-  </mc:AlternateContent>
-</p:sld>
-</file>
-
-<file path=ppt/slides/slide42.xml><?xml version="1.0" encoding="utf-8"?>
-<p:sld xmlns:a="http://schemas.openxmlformats.org/drawingml/2006/main" xmlns:r="http://schemas.openxmlformats.org/officeDocument/2006/relationships" xmlns:p="http://schemas.openxmlformats.org/presentationml/2006/main" show="0">
-  <p:cSld>
-    <p:spTree>
-      <p:nvGrpSpPr>
-        <p:cNvPr id="1" name=""/>
-        <p:cNvGrpSpPr/>
-        <p:nvPr/>
-      </p:nvGrpSpPr>
-      <p:grpSpPr>
-        <a:xfrm>
-          <a:off x="0" y="0"/>
-          <a:ext cx="0" cy="0"/>
-          <a:chOff x="0" y="0"/>
-          <a:chExt cx="0" cy="0"/>
-        </a:xfrm>
-      </p:grpSpPr>
-      <p:sp>
-        <p:nvSpPr>
-          <p:cNvPr id="2" name="Title 1"/>
-          <p:cNvSpPr>
-            <a:spLocks noGrp="1"/>
-          </p:cNvSpPr>
-          <p:nvPr>
-            <p:ph type="title"/>
-          </p:nvPr>
-        </p:nvSpPr>
-        <p:spPr/>
-        <p:txBody>
-          <a:bodyPr/>
-          <a:lstStyle/>
-          <a:p>
-            <a:r>
-              <a:rPr lang="en-US" dirty="0" smtClean="0"/>
               <a:t>FEATURE ENGINEERING STEPS</a:t>
             </a:r>
             <a:endParaRPr lang="en-US" dirty="0"/>
@@ -19410,7 +18352,7 @@
 </p:sld>
 </file>
 
-<file path=ppt/slides/slide43.xml><?xml version="1.0" encoding="utf-8"?>
+<file path=ppt/slides/slide41.xml><?xml version="1.0" encoding="utf-8"?>
 <p:sld xmlns:a="http://schemas.openxmlformats.org/drawingml/2006/main" xmlns:r="http://schemas.openxmlformats.org/officeDocument/2006/relationships" xmlns:p="http://schemas.openxmlformats.org/presentationml/2006/main" show="0">
   <p:cSld>
     <p:spTree>
